--- a/Basics and Statistics/Plotly.pptx
+++ b/Basics and Statistics/Plotly.pptx
@@ -9,9 +9,10 @@
     <p:sldId id="257" r:id="rId3"/>
     <p:sldId id="261" r:id="rId4"/>
     <p:sldId id="260" r:id="rId5"/>
-    <p:sldId id="258" r:id="rId6"/>
-    <p:sldId id="262" r:id="rId7"/>
-    <p:sldId id="259" r:id="rId8"/>
+    <p:sldId id="262" r:id="rId6"/>
+    <p:sldId id="259" r:id="rId7"/>
+    <p:sldId id="264" r:id="rId8"/>
+    <p:sldId id="263" r:id="rId9"/>
   </p:sldIdLst>
   <p:sldSz cx="12192000" cy="6858000"/>
   <p:notesSz cx="6858000" cy="9144000"/>
@@ -267,7 +268,7 @@
           <a:p>
             <a:fld id="{B5549533-9122-495A-A603-C25B8224AFE6}" type="datetimeFigureOut">
               <a:rPr lang="de-AT" smtClean="0"/>
-              <a:t>29.05.2018</a:t>
+              <a:t>30.05.2018</a:t>
             </a:fld>
             <a:endParaRPr lang="de-AT"/>
           </a:p>
@@ -467,7 +468,7 @@
           <a:p>
             <a:fld id="{B5549533-9122-495A-A603-C25B8224AFE6}" type="datetimeFigureOut">
               <a:rPr lang="de-AT" smtClean="0"/>
-              <a:t>29.05.2018</a:t>
+              <a:t>30.05.2018</a:t>
             </a:fld>
             <a:endParaRPr lang="de-AT"/>
           </a:p>
@@ -677,7 +678,7 @@
           <a:p>
             <a:fld id="{B5549533-9122-495A-A603-C25B8224AFE6}" type="datetimeFigureOut">
               <a:rPr lang="de-AT" smtClean="0"/>
-              <a:t>29.05.2018</a:t>
+              <a:t>30.05.2018</a:t>
             </a:fld>
             <a:endParaRPr lang="de-AT"/>
           </a:p>
@@ -877,7 +878,7 @@
           <a:p>
             <a:fld id="{B5549533-9122-495A-A603-C25B8224AFE6}" type="datetimeFigureOut">
               <a:rPr lang="de-AT" smtClean="0"/>
-              <a:t>29.05.2018</a:t>
+              <a:t>30.05.2018</a:t>
             </a:fld>
             <a:endParaRPr lang="de-AT"/>
           </a:p>
@@ -1153,7 +1154,7 @@
           <a:p>
             <a:fld id="{B5549533-9122-495A-A603-C25B8224AFE6}" type="datetimeFigureOut">
               <a:rPr lang="de-AT" smtClean="0"/>
-              <a:t>29.05.2018</a:t>
+              <a:t>30.05.2018</a:t>
             </a:fld>
             <a:endParaRPr lang="de-AT"/>
           </a:p>
@@ -1421,7 +1422,7 @@
           <a:p>
             <a:fld id="{B5549533-9122-495A-A603-C25B8224AFE6}" type="datetimeFigureOut">
               <a:rPr lang="de-AT" smtClean="0"/>
-              <a:t>29.05.2018</a:t>
+              <a:t>30.05.2018</a:t>
             </a:fld>
             <a:endParaRPr lang="de-AT"/>
           </a:p>
@@ -1836,7 +1837,7 @@
           <a:p>
             <a:fld id="{B5549533-9122-495A-A603-C25B8224AFE6}" type="datetimeFigureOut">
               <a:rPr lang="de-AT" smtClean="0"/>
-              <a:t>29.05.2018</a:t>
+              <a:t>30.05.2018</a:t>
             </a:fld>
             <a:endParaRPr lang="de-AT"/>
           </a:p>
@@ -1978,7 +1979,7 @@
           <a:p>
             <a:fld id="{B5549533-9122-495A-A603-C25B8224AFE6}" type="datetimeFigureOut">
               <a:rPr lang="de-AT" smtClean="0"/>
-              <a:t>29.05.2018</a:t>
+              <a:t>30.05.2018</a:t>
             </a:fld>
             <a:endParaRPr lang="de-AT"/>
           </a:p>
@@ -2091,7 +2092,7 @@
           <a:p>
             <a:fld id="{B5549533-9122-495A-A603-C25B8224AFE6}" type="datetimeFigureOut">
               <a:rPr lang="de-AT" smtClean="0"/>
-              <a:t>29.05.2018</a:t>
+              <a:t>30.05.2018</a:t>
             </a:fld>
             <a:endParaRPr lang="de-AT"/>
           </a:p>
@@ -2404,7 +2405,7 @@
           <a:p>
             <a:fld id="{B5549533-9122-495A-A603-C25B8224AFE6}" type="datetimeFigureOut">
               <a:rPr lang="de-AT" smtClean="0"/>
-              <a:t>29.05.2018</a:t>
+              <a:t>30.05.2018</a:t>
             </a:fld>
             <a:endParaRPr lang="de-AT"/>
           </a:p>
@@ -2693,7 +2694,7 @@
           <a:p>
             <a:fld id="{B5549533-9122-495A-A603-C25B8224AFE6}" type="datetimeFigureOut">
               <a:rPr lang="de-AT" smtClean="0"/>
-              <a:t>29.05.2018</a:t>
+              <a:t>30.05.2018</a:t>
             </a:fld>
             <a:endParaRPr lang="de-AT"/>
           </a:p>
@@ -2936,7 +2937,7 @@
           <a:p>
             <a:fld id="{B5549533-9122-495A-A603-C25B8224AFE6}" type="datetimeFigureOut">
               <a:rPr lang="de-AT" smtClean="0"/>
-              <a:t>29.05.2018</a:t>
+              <a:t>30.05.2018</a:t>
             </a:fld>
             <a:endParaRPr lang="de-AT"/>
           </a:p>
@@ -3688,6 +3689,24 @@
           <a:p>
             <a:endParaRPr lang="de-AT" dirty="0"/>
           </a:p>
+          <a:p>
+            <a:r>
+              <a:rPr lang="de-AT" dirty="0">
+                <a:hlinkClick r:id="rId4"/>
+              </a:rPr>
+              <a:t>https://help.plot.ly/tutorials/</a:t>
+            </a:r>
+            <a:endParaRPr lang="de-AT" dirty="0"/>
+          </a:p>
+          <a:p>
+            <a:endParaRPr lang="de-AT" dirty="0"/>
+          </a:p>
+          <a:p>
+            <a:endParaRPr lang="de-AT" dirty="0"/>
+          </a:p>
+          <a:p>
+            <a:endParaRPr lang="de-AT" dirty="0"/>
+          </a:p>
         </p:txBody>
       </p:sp>
     </p:spTree>
@@ -4029,7 +4048,7 @@
           <p:cNvPr id="2" name="Titel 1">
             <a:extLst>
               <a:ext uri="{FF2B5EF4-FFF2-40B4-BE49-F238E27FC236}">
-                <a16:creationId xmlns:a16="http://schemas.microsoft.com/office/drawing/2014/main" id="{14915A27-B5CC-4138-97E6-84CE2C83F89E}"/>
+                <a16:creationId xmlns:a16="http://schemas.microsoft.com/office/drawing/2014/main" id="{D3723BD0-7F48-4322-A629-599C2712F1F3}"/>
               </a:ext>
             </a:extLst>
           </p:cNvPr>
@@ -4047,7 +4066,7 @@
           <a:p>
             <a:r>
               <a:rPr lang="de-AT" dirty="0"/>
-              <a:t>                                   Basics </a:t>
+              <a:t>                                     Basics</a:t>
             </a:r>
           </a:p>
         </p:txBody>
@@ -4057,7 +4076,7 @@
           <p:cNvPr id="3" name="Inhaltsplatzhalter 2">
             <a:extLst>
               <a:ext uri="{FF2B5EF4-FFF2-40B4-BE49-F238E27FC236}">
-                <a16:creationId xmlns:a16="http://schemas.microsoft.com/office/drawing/2014/main" id="{F3256B69-59FA-47B4-B883-032579A1BC70}"/>
+                <a16:creationId xmlns:a16="http://schemas.microsoft.com/office/drawing/2014/main" id="{03D03349-2C51-458C-BB4E-1635F43AA35B}"/>
               </a:ext>
             </a:extLst>
           </p:cNvPr>
@@ -4070,9 +4089,7 @@
         </p:nvSpPr>
         <p:spPr/>
         <p:txBody>
-          <a:bodyPr>
-            <a:normAutofit fontScale="92500" lnSpcReduction="10000"/>
-          </a:bodyPr>
+          <a:bodyPr/>
           <a:lstStyle/>
           <a:p>
             <a:r>
@@ -4081,14 +4098,18 @@
             </a:r>
             <a:r>
               <a:rPr lang="de-AT" dirty="0"/>
-              <a:t> Traces </a:t>
+              <a:t> Traces</a:t>
             </a:r>
           </a:p>
           <a:p>
             <a:pPr lvl="1"/>
             <a:r>
+              <a:rPr lang="en-IE" dirty="0" err="1"/>
+              <a:t>plot_ly</a:t>
+            </a:r>
+            <a:r>
               <a:rPr lang="en-IE" dirty="0"/>
-              <a:t>plot_ly(data, x = </a:t>
+              <a:t>(data, x = </a:t>
             </a:r>
             <a:r>
               <a:rPr lang="en-IE" dirty="0">
@@ -4140,16 +4161,6 @@
           </a:p>
           <a:p>
             <a:pPr lvl="1"/>
-            <a:endParaRPr lang="de-AT" dirty="0"/>
-          </a:p>
-          <a:p>
-            <a:r>
-              <a:rPr lang="de-AT" dirty="0"/>
-              <a:t>Line Plots</a:t>
-            </a:r>
-          </a:p>
-          <a:p>
-            <a:pPr lvl="1"/>
             <a:r>
               <a:rPr lang="de-AT" dirty="0" err="1"/>
               <a:t>add_lines</a:t>
@@ -4164,99 +4175,25 @@
             </a:r>
             <a:r>
               <a:rPr lang="de-AT" dirty="0"/>
-              <a:t> = NULL,</a:t>
-            </a:r>
-          </a:p>
-          <a:p>
-            <a:pPr marL="457200" lvl="1" indent="0">
-              <a:buNone/>
-            </a:pPr>
+              <a:t> = NULL</a:t>
+            </a:r>
+          </a:p>
+          <a:p>
+            <a:pPr lvl="1"/>
+            <a:endParaRPr lang="de-AT" dirty="0"/>
+          </a:p>
+          <a:p>
             <a:r>
               <a:rPr lang="de-AT" dirty="0"/>
-              <a:t>  </a:t>
-            </a:r>
-            <a:r>
-              <a:rPr lang="de-AT" dirty="0" err="1"/>
-              <a:t>inherit</a:t>
-            </a:r>
-            <a:r>
-              <a:rPr lang="de-AT" dirty="0"/>
-              <a:t> = TRUE)</a:t>
-            </a:r>
-          </a:p>
-          <a:p>
-            <a:pPr marL="457200" lvl="1" indent="0">
-              <a:buNone/>
-            </a:pPr>
-            <a:endParaRPr lang="de-AT" dirty="0"/>
-          </a:p>
-          <a:p>
-            <a:r>
-              <a:rPr lang="de-AT" dirty="0"/>
-              <a:t>Bars and </a:t>
-            </a:r>
-            <a:r>
-              <a:rPr lang="de-AT" dirty="0" err="1"/>
-              <a:t>Histograms</a:t>
-            </a:r>
-            <a:endParaRPr lang="de-AT" dirty="0"/>
+              <a:t> Exercise: </a:t>
+            </a:r>
           </a:p>
           <a:p>
             <a:pPr lvl="1"/>
             <a:r>
-              <a:rPr lang="de-AT" dirty="0" err="1"/>
-              <a:t>add_bars</a:t>
-            </a:r>
-            <a:r>
-              <a:rPr lang="de-AT" dirty="0"/>
-              <a:t>(p, x = NULL, y = NULL, ..., </a:t>
-            </a:r>
-            <a:r>
-              <a:rPr lang="de-AT" dirty="0" err="1"/>
-              <a:t>data</a:t>
-            </a:r>
-            <a:r>
-              <a:rPr lang="de-AT" dirty="0"/>
-              <a:t> = NULL, </a:t>
-            </a:r>
-            <a:r>
-              <a:rPr lang="de-AT" dirty="0" err="1"/>
-              <a:t>inherit</a:t>
-            </a:r>
-            <a:r>
-              <a:rPr lang="de-AT" dirty="0"/>
-              <a:t> = TRUE)</a:t>
-            </a:r>
-          </a:p>
-          <a:p>
-            <a:pPr lvl="1"/>
-            <a:r>
-              <a:rPr lang="de-AT" dirty="0" err="1"/>
-              <a:t>add_histogram</a:t>
-            </a:r>
-            <a:r>
-              <a:rPr lang="de-AT" dirty="0"/>
-              <a:t>(p, x = NULL, y = NULL, ..., </a:t>
-            </a:r>
-            <a:r>
-              <a:rPr lang="de-AT" dirty="0" err="1"/>
-              <a:t>data</a:t>
-            </a:r>
-            <a:r>
-              <a:rPr lang="de-AT" dirty="0"/>
-              <a:t> = NULL, </a:t>
-            </a:r>
-            <a:r>
-              <a:rPr lang="de-AT" dirty="0" err="1"/>
-              <a:t>inherit</a:t>
-            </a:r>
-            <a:r>
-              <a:rPr lang="de-AT" dirty="0"/>
-              <a:t> = TRUE)</a:t>
-            </a:r>
-          </a:p>
-          <a:p>
-            <a:pPr lvl="1"/>
+              <a:rPr lang="en-US" dirty="0"/>
+              <a:t>Choose some other devices and visualize the correlation between download-Speed and Ping. </a:t>
+            </a:r>
             <a:endParaRPr lang="de-AT" dirty="0"/>
           </a:p>
         </p:txBody>
@@ -4264,7 +4201,7 @@
     </p:spTree>
     <p:extLst>
       <p:ext uri="{BB962C8B-B14F-4D97-AF65-F5344CB8AC3E}">
-        <p14:creationId xmlns:p14="http://schemas.microsoft.com/office/powerpoint/2010/main" val="2035566880"/>
+        <p14:creationId xmlns:p14="http://schemas.microsoft.com/office/powerpoint/2010/main" val="3035416340"/>
       </p:ext>
     </p:extLst>
   </p:cSld>
@@ -4296,7 +4233,7 @@
           <p:cNvPr id="2" name="Titel 1">
             <a:extLst>
               <a:ext uri="{FF2B5EF4-FFF2-40B4-BE49-F238E27FC236}">
-                <a16:creationId xmlns:a16="http://schemas.microsoft.com/office/drawing/2014/main" id="{63A679FB-9052-414C-8493-FEE420725C79}"/>
+                <a16:creationId xmlns:a16="http://schemas.microsoft.com/office/drawing/2014/main" id="{7E31C60D-6D71-4282-B776-9BCE8865146D}"/>
               </a:ext>
             </a:extLst>
           </p:cNvPr>
@@ -4314,36 +4251,172 @@
           <a:p>
             <a:r>
               <a:rPr lang="de-AT" dirty="0"/>
-              <a:t>                                </a:t>
+              <a:t>                                    Basics </a:t>
+            </a:r>
+          </a:p>
+        </p:txBody>
+      </p:sp>
+      <p:sp>
+        <p:nvSpPr>
+          <p:cNvPr id="3" name="Inhaltsplatzhalter 2">
+            <a:extLst>
+              <a:ext uri="{FF2B5EF4-FFF2-40B4-BE49-F238E27FC236}">
+                <a16:creationId xmlns:a16="http://schemas.microsoft.com/office/drawing/2014/main" id="{CC636411-9F79-47EF-AEF8-F7B6BE3C0D8E}"/>
+              </a:ext>
+            </a:extLst>
+          </p:cNvPr>
+          <p:cNvSpPr>
+            <a:spLocks noGrp="1"/>
+          </p:cNvSpPr>
+          <p:nvPr>
+            <p:ph idx="1"/>
+          </p:nvPr>
+        </p:nvSpPr>
+        <p:spPr/>
+        <p:txBody>
+          <a:bodyPr/>
+          <a:lstStyle/>
+          <a:p>
+            <a:r>
+              <a:rPr lang="de-AT" dirty="0"/>
+              <a:t>Bars and </a:t>
             </a:r>
             <a:r>
               <a:rPr lang="de-AT" dirty="0" err="1"/>
-              <a:t>Exercises</a:t>
+              <a:t>Histograms</a:t>
             </a:r>
             <a:endParaRPr lang="de-AT" dirty="0"/>
           </a:p>
-        </p:txBody>
-      </p:sp>
-      <p:sp>
-        <p:nvSpPr>
-          <p:cNvPr id="3" name="Inhaltsplatzhalter 2">
-            <a:extLst>
-              <a:ext uri="{FF2B5EF4-FFF2-40B4-BE49-F238E27FC236}">
-                <a16:creationId xmlns:a16="http://schemas.microsoft.com/office/drawing/2014/main" id="{11294C5E-842D-46A5-A791-E6441D88A162}"/>
-              </a:ext>
-            </a:extLst>
-          </p:cNvPr>
-          <p:cNvSpPr>
-            <a:spLocks noGrp="1"/>
-          </p:cNvSpPr>
-          <p:nvPr>
-            <p:ph idx="1"/>
-          </p:nvPr>
-        </p:nvSpPr>
-        <p:spPr/>
-        <p:txBody>
-          <a:bodyPr/>
-          <a:lstStyle/>
+          <a:p>
+            <a:pPr lvl="1"/>
+            <a:r>
+              <a:rPr lang="de-AT" dirty="0" err="1"/>
+              <a:t>add_bars</a:t>
+            </a:r>
+            <a:r>
+              <a:rPr lang="de-AT" dirty="0"/>
+              <a:t>(p, x = NULL, y = NULL, ..., </a:t>
+            </a:r>
+            <a:r>
+              <a:rPr lang="de-AT" dirty="0" err="1"/>
+              <a:t>data</a:t>
+            </a:r>
+            <a:r>
+              <a:rPr lang="de-AT" dirty="0"/>
+              <a:t> = NULL, </a:t>
+            </a:r>
+            <a:r>
+              <a:rPr lang="de-AT" dirty="0" err="1"/>
+              <a:t>inherit</a:t>
+            </a:r>
+            <a:r>
+              <a:rPr lang="de-AT" dirty="0"/>
+              <a:t> = TRUE)</a:t>
+            </a:r>
+          </a:p>
+          <a:p>
+            <a:pPr lvl="1"/>
+            <a:r>
+              <a:rPr lang="de-AT" dirty="0" err="1"/>
+              <a:t>add_histogram</a:t>
+            </a:r>
+            <a:r>
+              <a:rPr lang="de-AT" dirty="0"/>
+              <a:t>(p, x = NULL, y = NULL, ..., </a:t>
+            </a:r>
+            <a:r>
+              <a:rPr lang="de-AT" dirty="0" err="1"/>
+              <a:t>data</a:t>
+            </a:r>
+            <a:r>
+              <a:rPr lang="de-AT" dirty="0"/>
+              <a:t> = NULL, </a:t>
+            </a:r>
+            <a:r>
+              <a:rPr lang="de-AT" dirty="0" err="1"/>
+              <a:t>inherit</a:t>
+            </a:r>
+            <a:r>
+              <a:rPr lang="de-AT" dirty="0"/>
+              <a:t> = TRUE)</a:t>
+            </a:r>
+          </a:p>
+          <a:p>
+            <a:pPr lvl="1"/>
+            <a:endParaRPr lang="de-AT" dirty="0"/>
+          </a:p>
+          <a:p>
+            <a:r>
+              <a:rPr lang="de-AT" dirty="0"/>
+              <a:t>Exercise: </a:t>
+            </a:r>
+          </a:p>
+          <a:p>
+            <a:pPr lvl="1"/>
+            <a:r>
+              <a:rPr lang="en-US" dirty="0"/>
+              <a:t>Starting from those data where </a:t>
+            </a:r>
+            <a:r>
+              <a:rPr lang="en-US" dirty="0" err="1"/>
+              <a:t>op_name</a:t>
+            </a:r>
+            <a:r>
+              <a:rPr lang="en-US" dirty="0"/>
+              <a:t> = “Apple”</a:t>
+            </a:r>
+          </a:p>
+          <a:p>
+            <a:pPr lvl="2"/>
+            <a:r>
+              <a:rPr lang="en-US" dirty="0"/>
+              <a:t>create a histogram showing the distribution of </a:t>
+            </a:r>
+            <a:r>
+              <a:rPr lang="en-US" dirty="0" err="1"/>
+              <a:t>nw_cat</a:t>
+            </a:r>
+            <a:endParaRPr lang="en-US" dirty="0"/>
+          </a:p>
+          <a:p>
+            <a:pPr lvl="2"/>
+            <a:r>
+              <a:rPr lang="en-US" dirty="0"/>
+              <a:t>create a </a:t>
+            </a:r>
+            <a:r>
+              <a:rPr lang="en-US" dirty="0" err="1"/>
+              <a:t>barplot</a:t>
+            </a:r>
+            <a:r>
+              <a:rPr lang="en-US" dirty="0"/>
+              <a:t> of </a:t>
+            </a:r>
+            <a:r>
+              <a:rPr lang="en-US" dirty="0" err="1"/>
+              <a:t>nw_cat</a:t>
+            </a:r>
+            <a:r>
+              <a:rPr lang="en-US" dirty="0"/>
+              <a:t> and </a:t>
+            </a:r>
+            <a:r>
+              <a:rPr lang="en-US" dirty="0" err="1"/>
+              <a:t>rtr_Speed_dl</a:t>
+            </a:r>
+            <a:r>
+              <a:rPr lang="en-US" dirty="0"/>
+              <a:t> </a:t>
+            </a:r>
+          </a:p>
+          <a:p>
+            <a:pPr lvl="2"/>
+            <a:r>
+              <a:rPr lang="en-US" dirty="0"/>
+              <a:t>create stacked bars which in addition also contain the device platform</a:t>
+            </a:r>
+            <a:endParaRPr lang="de-AT" dirty="0"/>
+          </a:p>
           <a:p>
             <a:endParaRPr lang="de-AT" dirty="0"/>
           </a:p>
@@ -4352,7 +4425,7 @@
     </p:spTree>
     <p:extLst>
       <p:ext uri="{BB962C8B-B14F-4D97-AF65-F5344CB8AC3E}">
-        <p14:creationId xmlns:p14="http://schemas.microsoft.com/office/powerpoint/2010/main" val="2636028216"/>
+        <p14:creationId xmlns:p14="http://schemas.microsoft.com/office/powerpoint/2010/main" val="228013815"/>
       </p:ext>
     </p:extLst>
   </p:cSld>
@@ -4384,7 +4457,7 @@
           <p:cNvPr id="2" name="Titel 1">
             <a:extLst>
               <a:ext uri="{FF2B5EF4-FFF2-40B4-BE49-F238E27FC236}">
-                <a16:creationId xmlns:a16="http://schemas.microsoft.com/office/drawing/2014/main" id="{7E31C60D-6D71-4282-B776-9BCE8865146D}"/>
+                <a16:creationId xmlns:a16="http://schemas.microsoft.com/office/drawing/2014/main" id="{30D1496B-3600-45D6-802F-282F82288582}"/>
               </a:ext>
             </a:extLst>
           </p:cNvPr>
@@ -4402,7 +4475,7 @@
           <a:p>
             <a:r>
               <a:rPr lang="de-AT" dirty="0"/>
-              <a:t>                                    Basics </a:t>
+              <a:t>                                   Basics </a:t>
             </a:r>
           </a:p>
         </p:txBody>
@@ -4412,7 +4485,7 @@
           <p:cNvPr id="3" name="Inhaltsplatzhalter 2">
             <a:extLst>
               <a:ext uri="{FF2B5EF4-FFF2-40B4-BE49-F238E27FC236}">
-                <a16:creationId xmlns:a16="http://schemas.microsoft.com/office/drawing/2014/main" id="{CC636411-9F79-47EF-AEF8-F7B6BE3C0D8E}"/>
+                <a16:creationId xmlns:a16="http://schemas.microsoft.com/office/drawing/2014/main" id="{4873A6C0-A37F-4F07-B751-8B58BFD3A917}"/>
               </a:ext>
             </a:extLst>
           </p:cNvPr>
@@ -4428,19 +4501,36 @@
           <a:bodyPr/>
           <a:lstStyle/>
           <a:p>
+            <a:r>
+              <a:rPr lang="en-US" dirty="0"/>
+              <a:t>Boxplots </a:t>
+            </a:r>
+          </a:p>
+          <a:p>
+            <a:pPr lvl="1"/>
+            <a:r>
+              <a:rPr lang="en-US" dirty="0" err="1"/>
+              <a:t>plot_ly</a:t>
+            </a:r>
+            <a:r>
+              <a:rPr lang="en-US" dirty="0"/>
+              <a:t>(data, y = ~Y, type = "box")</a:t>
+            </a:r>
+          </a:p>
+          <a:p>
             <a:endParaRPr lang="de-AT" dirty="0"/>
           </a:p>
           <a:p>
-            <a:endParaRPr lang="de-AT" dirty="0"/>
-          </a:p>
-          <a:p>
-            <a:r>
-              <a:rPr lang="de-AT" dirty="0" err="1"/>
-              <a:t>Boxplots</a:t>
-            </a:r>
             <a:r>
               <a:rPr lang="de-AT" dirty="0"/>
-              <a:t> </a:t>
+              <a:t>Exercise: </a:t>
+            </a:r>
+          </a:p>
+          <a:p>
+            <a:pPr lvl="1"/>
+            <a:r>
+              <a:rPr lang="en-US" dirty="0"/>
+              <a:t>Use Boxplots to compare the Upload-Speed of devices that have LTE and the ones that don´t </a:t>
             </a:r>
           </a:p>
           <a:p>
@@ -4448,17 +4538,6 @@
             <a:endParaRPr lang="de-AT" dirty="0"/>
           </a:p>
           <a:p>
-            <a:endParaRPr lang="de-AT" dirty="0"/>
-          </a:p>
-          <a:p>
-            <a:r>
-              <a:rPr lang="de-AT" dirty="0"/>
-              <a:t>2D </a:t>
-            </a:r>
-            <a:r>
-              <a:rPr lang="de-AT" dirty="0" err="1"/>
-              <a:t>frequencies</a:t>
-            </a:r>
             <a:endParaRPr lang="de-AT" dirty="0"/>
           </a:p>
         </p:txBody>
@@ -4466,7 +4545,98 @@
     </p:spTree>
     <p:extLst>
       <p:ext uri="{BB962C8B-B14F-4D97-AF65-F5344CB8AC3E}">
-        <p14:creationId xmlns:p14="http://schemas.microsoft.com/office/powerpoint/2010/main" val="228013815"/>
+        <p14:creationId xmlns:p14="http://schemas.microsoft.com/office/powerpoint/2010/main" val="1958336102"/>
+      </p:ext>
+    </p:extLst>
+  </p:cSld>
+  <p:clrMapOvr>
+    <a:masterClrMapping/>
+  </p:clrMapOvr>
+</p:sld>
+</file>
+
+<file path=ppt/slides/slide8.xml><?xml version="1.0" encoding="utf-8"?>
+<p:sld xmlns:a="http://schemas.openxmlformats.org/drawingml/2006/main" xmlns:r="http://schemas.openxmlformats.org/officeDocument/2006/relationships" xmlns:p="http://schemas.openxmlformats.org/presentationml/2006/main">
+  <p:cSld>
+    <p:spTree>
+      <p:nvGrpSpPr>
+        <p:cNvPr id="1" name=""/>
+        <p:cNvGrpSpPr/>
+        <p:nvPr/>
+      </p:nvGrpSpPr>
+      <p:grpSpPr>
+        <a:xfrm>
+          <a:off x="0" y="0"/>
+          <a:ext cx="0" cy="0"/>
+          <a:chOff x="0" y="0"/>
+          <a:chExt cx="0" cy="0"/>
+        </a:xfrm>
+      </p:grpSpPr>
+      <p:sp>
+        <p:nvSpPr>
+          <p:cNvPr id="2" name="Titel 1">
+            <a:extLst>
+              <a:ext uri="{FF2B5EF4-FFF2-40B4-BE49-F238E27FC236}">
+                <a16:creationId xmlns:a16="http://schemas.microsoft.com/office/drawing/2014/main" id="{9CBB217E-9790-4D8A-922D-F57AE7BEA3E9}"/>
+              </a:ext>
+            </a:extLst>
+          </p:cNvPr>
+          <p:cNvSpPr>
+            <a:spLocks noGrp="1"/>
+          </p:cNvSpPr>
+          <p:nvPr>
+            <p:ph type="title"/>
+          </p:nvPr>
+        </p:nvSpPr>
+        <p:spPr/>
+        <p:txBody>
+          <a:bodyPr/>
+          <a:lstStyle/>
+          <a:p>
+            <a:r>
+              <a:rPr lang="de-AT" dirty="0"/>
+              <a:t>                               </a:t>
+            </a:r>
+            <a:r>
+              <a:rPr lang="de-AT" dirty="0" err="1"/>
+              <a:t>Statistics</a:t>
+            </a:r>
+            <a:r>
+              <a:rPr lang="de-AT" dirty="0"/>
+              <a:t> </a:t>
+            </a:r>
+          </a:p>
+        </p:txBody>
+      </p:sp>
+      <p:sp>
+        <p:nvSpPr>
+          <p:cNvPr id="3" name="Inhaltsplatzhalter 2">
+            <a:extLst>
+              <a:ext uri="{FF2B5EF4-FFF2-40B4-BE49-F238E27FC236}">
+                <a16:creationId xmlns:a16="http://schemas.microsoft.com/office/drawing/2014/main" id="{743C9AB4-8A9A-4644-BC8C-D8AC089EA583}"/>
+              </a:ext>
+            </a:extLst>
+          </p:cNvPr>
+          <p:cNvSpPr>
+            <a:spLocks noGrp="1"/>
+          </p:cNvSpPr>
+          <p:nvPr>
+            <p:ph idx="1"/>
+          </p:nvPr>
+        </p:nvSpPr>
+        <p:spPr/>
+        <p:txBody>
+          <a:bodyPr/>
+          <a:lstStyle/>
+          <a:p>
+            <a:endParaRPr lang="de-AT" dirty="0"/>
+          </a:p>
+        </p:txBody>
+      </p:sp>
+    </p:spTree>
+    <p:extLst>
+      <p:ext uri="{BB962C8B-B14F-4D97-AF65-F5344CB8AC3E}">
+        <p14:creationId xmlns:p14="http://schemas.microsoft.com/office/powerpoint/2010/main" val="1364072832"/>
       </p:ext>
     </p:extLst>
   </p:cSld>

--- a/Basics and Statistics/Plotly.pptx
+++ b/Basics and Statistics/Plotly.pptx
@@ -268,7 +268,7 @@
           <a:p>
             <a:fld id="{B5549533-9122-495A-A603-C25B8224AFE6}" type="datetimeFigureOut">
               <a:rPr lang="de-AT" smtClean="0"/>
-              <a:t>30.05.2018</a:t>
+              <a:t>31.05.2018</a:t>
             </a:fld>
             <a:endParaRPr lang="de-AT"/>
           </a:p>
@@ -468,7 +468,7 @@
           <a:p>
             <a:fld id="{B5549533-9122-495A-A603-C25B8224AFE6}" type="datetimeFigureOut">
               <a:rPr lang="de-AT" smtClean="0"/>
-              <a:t>30.05.2018</a:t>
+              <a:t>31.05.2018</a:t>
             </a:fld>
             <a:endParaRPr lang="de-AT"/>
           </a:p>
@@ -678,7 +678,7 @@
           <a:p>
             <a:fld id="{B5549533-9122-495A-A603-C25B8224AFE6}" type="datetimeFigureOut">
               <a:rPr lang="de-AT" smtClean="0"/>
-              <a:t>30.05.2018</a:t>
+              <a:t>31.05.2018</a:t>
             </a:fld>
             <a:endParaRPr lang="de-AT"/>
           </a:p>
@@ -878,7 +878,7 @@
           <a:p>
             <a:fld id="{B5549533-9122-495A-A603-C25B8224AFE6}" type="datetimeFigureOut">
               <a:rPr lang="de-AT" smtClean="0"/>
-              <a:t>30.05.2018</a:t>
+              <a:t>31.05.2018</a:t>
             </a:fld>
             <a:endParaRPr lang="de-AT"/>
           </a:p>
@@ -1154,7 +1154,7 @@
           <a:p>
             <a:fld id="{B5549533-9122-495A-A603-C25B8224AFE6}" type="datetimeFigureOut">
               <a:rPr lang="de-AT" smtClean="0"/>
-              <a:t>30.05.2018</a:t>
+              <a:t>31.05.2018</a:t>
             </a:fld>
             <a:endParaRPr lang="de-AT"/>
           </a:p>
@@ -1422,7 +1422,7 @@
           <a:p>
             <a:fld id="{B5549533-9122-495A-A603-C25B8224AFE6}" type="datetimeFigureOut">
               <a:rPr lang="de-AT" smtClean="0"/>
-              <a:t>30.05.2018</a:t>
+              <a:t>31.05.2018</a:t>
             </a:fld>
             <a:endParaRPr lang="de-AT"/>
           </a:p>
@@ -1837,7 +1837,7 @@
           <a:p>
             <a:fld id="{B5549533-9122-495A-A603-C25B8224AFE6}" type="datetimeFigureOut">
               <a:rPr lang="de-AT" smtClean="0"/>
-              <a:t>30.05.2018</a:t>
+              <a:t>31.05.2018</a:t>
             </a:fld>
             <a:endParaRPr lang="de-AT"/>
           </a:p>
@@ -1979,7 +1979,7 @@
           <a:p>
             <a:fld id="{B5549533-9122-495A-A603-C25B8224AFE6}" type="datetimeFigureOut">
               <a:rPr lang="de-AT" smtClean="0"/>
-              <a:t>30.05.2018</a:t>
+              <a:t>31.05.2018</a:t>
             </a:fld>
             <a:endParaRPr lang="de-AT"/>
           </a:p>
@@ -2092,7 +2092,7 @@
           <a:p>
             <a:fld id="{B5549533-9122-495A-A603-C25B8224AFE6}" type="datetimeFigureOut">
               <a:rPr lang="de-AT" smtClean="0"/>
-              <a:t>30.05.2018</a:t>
+              <a:t>31.05.2018</a:t>
             </a:fld>
             <a:endParaRPr lang="de-AT"/>
           </a:p>
@@ -2405,7 +2405,7 @@
           <a:p>
             <a:fld id="{B5549533-9122-495A-A603-C25B8224AFE6}" type="datetimeFigureOut">
               <a:rPr lang="de-AT" smtClean="0"/>
-              <a:t>30.05.2018</a:t>
+              <a:t>31.05.2018</a:t>
             </a:fld>
             <a:endParaRPr lang="de-AT"/>
           </a:p>
@@ -2694,7 +2694,7 @@
           <a:p>
             <a:fld id="{B5549533-9122-495A-A603-C25B8224AFE6}" type="datetimeFigureOut">
               <a:rPr lang="de-AT" smtClean="0"/>
-              <a:t>30.05.2018</a:t>
+              <a:t>31.05.2018</a:t>
             </a:fld>
             <a:endParaRPr lang="de-AT"/>
           </a:p>
@@ -2937,7 +2937,7 @@
           <a:p>
             <a:fld id="{B5549533-9122-495A-A603-C25B8224AFE6}" type="datetimeFigureOut">
               <a:rPr lang="de-AT" smtClean="0"/>
-              <a:t>30.05.2018</a:t>
+              <a:t>31.05.2018</a:t>
             </a:fld>
             <a:endParaRPr lang="de-AT"/>
           </a:p>
@@ -3762,15 +3762,7 @@
           <a:p>
             <a:r>
               <a:rPr lang="de-AT" dirty="0"/>
-              <a:t>                          </a:t>
-            </a:r>
-            <a:r>
-              <a:rPr lang="de-AT" dirty="0" err="1"/>
-              <a:t>Let´s</a:t>
-            </a:r>
-            <a:r>
-              <a:rPr lang="de-AT" dirty="0"/>
-              <a:t> </a:t>
+              <a:t>                          Let´s </a:t>
             </a:r>
             <a:r>
               <a:rPr lang="de-AT" dirty="0" err="1"/>
@@ -3851,12 +3843,8 @@
           <a:p>
             <a:pPr lvl="1"/>
             <a:r>
-              <a:rPr lang="de-AT" dirty="0" err="1"/>
-              <a:t>install.packages</a:t>
-            </a:r>
-            <a:r>
               <a:rPr lang="de-AT" dirty="0"/>
-              <a:t>("</a:t>
+              <a:t>install.packages("</a:t>
             </a:r>
             <a:r>
               <a:rPr lang="de-AT" dirty="0" err="1"/>
@@ -4104,12 +4092,8 @@
           <a:p>
             <a:pPr lvl="1"/>
             <a:r>
-              <a:rPr lang="en-IE" dirty="0" err="1"/>
-              <a:t>plot_ly</a:t>
-            </a:r>
-            <a:r>
               <a:rPr lang="en-IE" dirty="0"/>
-              <a:t>(data, x = </a:t>
+              <a:t>plot_ly(data, x = </a:t>
             </a:r>
             <a:r>
               <a:rPr lang="en-IE" dirty="0">
@@ -4343,6 +4327,10 @@
           </a:p>
           <a:p>
             <a:pPr lvl="1"/>
+            <a:r>
+              <a:rPr lang="en-US" dirty="0"/>
+              <a:t>St</a:t>
+            </a:r>
             <a:endParaRPr lang="de-AT" dirty="0"/>
           </a:p>
           <a:p>
@@ -4355,7 +4343,7 @@
             <a:pPr lvl="1"/>
             <a:r>
               <a:rPr lang="en-US" dirty="0"/>
-              <a:t>Starting from those data where </a:t>
+              <a:t>starting from those data where </a:t>
             </a:r>
             <a:r>
               <a:rPr lang="en-US" dirty="0" err="1"/>
